--- a/WiseChoice.pptx
+++ b/WiseChoice.pptx
@@ -228,7 +228,7 @@
           <a:p>
             <a:fld id="{3A8C9283-0B4F-4786-A4E4-C5E53FD1EA74}" type="datetimeFigureOut">
               <a:rPr lang="en-IN" smtClean="0"/>
-              <a:t>03-12-2023</a:t>
+              <a:t>06-12-2023</a:t>
             </a:fld>
             <a:endParaRPr lang="en-IN"/>
           </a:p>
@@ -458,7 +458,7 @@
           <a:p>
             <a:fld id="{4AAD347D-5ACD-4C99-B74B-A9C85AD731AF}" type="datetimeFigureOut">
               <a:rPr lang="en-US" smtClean="0"/>
-              <a:t>12/3/2023</a:t>
+              <a:t>12/6/2023</a:t>
             </a:fld>
             <a:endParaRPr lang="en-US" dirty="0"/>
           </a:p>
@@ -656,7 +656,7 @@
           <a:p>
             <a:fld id="{3B8E52CB-23EB-4690-AFE6-1F010598BEBE}" type="datetimeFigureOut">
               <a:rPr lang="en-IN" smtClean="0"/>
-              <a:t>03-12-2023</a:t>
+              <a:t>06-12-2023</a:t>
             </a:fld>
             <a:endParaRPr lang="en-IN"/>
           </a:p>
@@ -864,7 +864,7 @@
           <a:p>
             <a:fld id="{3B8E52CB-23EB-4690-AFE6-1F010598BEBE}" type="datetimeFigureOut">
               <a:rPr lang="en-IN" smtClean="0"/>
-              <a:t>03-12-2023</a:t>
+              <a:t>06-12-2023</a:t>
             </a:fld>
             <a:endParaRPr lang="en-IN"/>
           </a:p>
@@ -1062,7 +1062,7 @@
           <a:p>
             <a:fld id="{3B8E52CB-23EB-4690-AFE6-1F010598BEBE}" type="datetimeFigureOut">
               <a:rPr lang="en-IN" smtClean="0"/>
-              <a:t>03-12-2023</a:t>
+              <a:t>06-12-2023</a:t>
             </a:fld>
             <a:endParaRPr lang="en-IN"/>
           </a:p>
@@ -1337,7 +1337,7 @@
           <a:p>
             <a:fld id="{3B8E52CB-23EB-4690-AFE6-1F010598BEBE}" type="datetimeFigureOut">
               <a:rPr lang="en-IN" smtClean="0"/>
-              <a:t>03-12-2023</a:t>
+              <a:t>06-12-2023</a:t>
             </a:fld>
             <a:endParaRPr lang="en-IN"/>
           </a:p>
@@ -1602,7 +1602,7 @@
           <a:p>
             <a:fld id="{3B8E52CB-23EB-4690-AFE6-1F010598BEBE}" type="datetimeFigureOut">
               <a:rPr lang="en-IN" smtClean="0"/>
-              <a:t>03-12-2023</a:t>
+              <a:t>06-12-2023</a:t>
             </a:fld>
             <a:endParaRPr lang="en-IN"/>
           </a:p>
@@ -2014,7 +2014,7 @@
           <a:p>
             <a:fld id="{3B8E52CB-23EB-4690-AFE6-1F010598BEBE}" type="datetimeFigureOut">
               <a:rPr lang="en-IN" smtClean="0"/>
-              <a:t>03-12-2023</a:t>
+              <a:t>06-12-2023</a:t>
             </a:fld>
             <a:endParaRPr lang="en-IN"/>
           </a:p>
@@ -2155,7 +2155,7 @@
           <a:p>
             <a:fld id="{3B8E52CB-23EB-4690-AFE6-1F010598BEBE}" type="datetimeFigureOut">
               <a:rPr lang="en-IN" smtClean="0"/>
-              <a:t>03-12-2023</a:t>
+              <a:t>06-12-2023</a:t>
             </a:fld>
             <a:endParaRPr lang="en-IN"/>
           </a:p>
@@ -2268,7 +2268,7 @@
           <a:p>
             <a:fld id="{3B8E52CB-23EB-4690-AFE6-1F010598BEBE}" type="datetimeFigureOut">
               <a:rPr lang="en-IN" smtClean="0"/>
-              <a:t>03-12-2023</a:t>
+              <a:t>06-12-2023</a:t>
             </a:fld>
             <a:endParaRPr lang="en-IN"/>
           </a:p>
@@ -2579,7 +2579,7 @@
           <a:p>
             <a:fld id="{3B8E52CB-23EB-4690-AFE6-1F010598BEBE}" type="datetimeFigureOut">
               <a:rPr lang="en-IN" smtClean="0"/>
-              <a:t>03-12-2023</a:t>
+              <a:t>06-12-2023</a:t>
             </a:fld>
             <a:endParaRPr lang="en-IN"/>
           </a:p>
@@ -2867,7 +2867,7 @@
           <a:p>
             <a:fld id="{3B8E52CB-23EB-4690-AFE6-1F010598BEBE}" type="datetimeFigureOut">
               <a:rPr lang="en-IN" smtClean="0"/>
-              <a:t>03-12-2023</a:t>
+              <a:t>06-12-2023</a:t>
             </a:fld>
             <a:endParaRPr lang="en-IN"/>
           </a:p>
@@ -3108,7 +3108,7 @@
           <a:p>
             <a:fld id="{4AAD347D-5ACD-4C99-B74B-A9C85AD731AF}" type="datetimeFigureOut">
               <a:rPr lang="en-US" smtClean="0"/>
-              <a:t>12/3/2023</a:t>
+              <a:t>12/6/2023</a:t>
             </a:fld>
             <a:endParaRPr lang="en-US" dirty="0"/>
           </a:p>
@@ -3543,7 +3543,7 @@
                 </a:solidFill>
               </a:rPr>
               <a:pPr/>
-              <a:t>03-12-2023</a:t>
+              <a:t>06-12-2023</a:t>
             </a:fld>
             <a:endParaRPr lang="en-IN" dirty="0">
               <a:solidFill>
@@ -4282,7 +4282,7 @@
           <p:nvPr>
             <p:extLst>
               <p:ext uri="{D42A27DB-BD31-4B8C-83A1-F6EECF244321}">
-                <p14:modId xmlns:p14="http://schemas.microsoft.com/office/powerpoint/2010/main" val="420817329"/>
+                <p14:modId xmlns:p14="http://schemas.microsoft.com/office/powerpoint/2010/main" val="2188929605"/>
               </p:ext>
             </p:extLst>
           </p:nvPr>
@@ -4406,10 +4406,37 @@
                     <a:p>
                       <a:pPr marL="395288" indent="-53975"/>
                       <a:r>
+                        <a:rPr lang="en-US" sz="2000" b="1">
+                          <a:latin typeface="Times New Roman" panose="02020603050405020304" pitchFamily="18" charset="0"/>
+                          <a:cs typeface="Times New Roman" panose="02020603050405020304" pitchFamily="18" charset="0"/>
+                        </a:rPr>
+                        <a:t>   Israt </a:t>
+                      </a:r>
+                      <a:r>
                         <a:rPr lang="en-US" sz="2000" b="1" dirty="0">
                           <a:latin typeface="Times New Roman" panose="02020603050405020304" pitchFamily="18" charset="0"/>
                           <a:cs typeface="Times New Roman" panose="02020603050405020304" pitchFamily="18" charset="0"/>
                         </a:rPr>
+                        <a:t>Tasnim Esha </a:t>
+                      </a:r>
+                    </a:p>
+                    <a:p>
+                      <a:pPr marL="395288" indent="-53975"/>
+                      <a:r>
+                        <a:rPr lang="en-US" sz="2000" dirty="0">
+                          <a:latin typeface="Times New Roman" panose="02020603050405020304" pitchFamily="18" charset="0"/>
+                          <a:cs typeface="Times New Roman" panose="02020603050405020304" pitchFamily="18" charset="0"/>
+                        </a:rPr>
+                        <a:t>   Roll: 1907090</a:t>
+                      </a:r>
+                    </a:p>
+                    <a:p>
+                      <a:pPr marL="395288" indent="-53975"/>
+                      <a:r>
+                        <a:rPr lang="en-US" sz="2000" b="1" dirty="0">
+                          <a:latin typeface="Times New Roman" panose="02020603050405020304" pitchFamily="18" charset="0"/>
+                          <a:cs typeface="Times New Roman" panose="02020603050405020304" pitchFamily="18" charset="0"/>
+                        </a:rPr>
                         <a:t>   </a:t>
                       </a:r>
                       <a:r>
@@ -4435,54 +4462,6 @@
                           <a:cs typeface="Times New Roman" panose="02020603050405020304" pitchFamily="18" charset="0"/>
                         </a:rPr>
                         <a:t>   Roll: 1907089</a:t>
-                      </a:r>
-                    </a:p>
-                    <a:p>
-                      <a:pPr marL="395288" indent="-53975"/>
-                      <a:r>
-                        <a:rPr lang="en-US" sz="2000" b="1" dirty="0">
-                          <a:latin typeface="Times New Roman" panose="02020603050405020304" pitchFamily="18" charset="0"/>
-                          <a:cs typeface="Times New Roman" panose="02020603050405020304" pitchFamily="18" charset="0"/>
-                        </a:rPr>
-                        <a:t>   </a:t>
-                      </a:r>
-                      <a:r>
-                        <a:rPr lang="en-US" sz="2000" b="1" dirty="0" err="1">
-                          <a:latin typeface="Times New Roman" panose="02020603050405020304" pitchFamily="18" charset="0"/>
-                          <a:cs typeface="Times New Roman" panose="02020603050405020304" pitchFamily="18" charset="0"/>
-                        </a:rPr>
-                        <a:t>Israt</a:t>
-                      </a:r>
-                      <a:r>
-                        <a:rPr lang="en-US" sz="2000" b="1" dirty="0">
-                          <a:latin typeface="Times New Roman" panose="02020603050405020304" pitchFamily="18" charset="0"/>
-                          <a:cs typeface="Times New Roman" panose="02020603050405020304" pitchFamily="18" charset="0"/>
-                        </a:rPr>
-                        <a:t> </a:t>
-                      </a:r>
-                      <a:r>
-                        <a:rPr lang="en-US" sz="2000" b="1" dirty="0" err="1">
-                          <a:latin typeface="Times New Roman" panose="02020603050405020304" pitchFamily="18" charset="0"/>
-                          <a:cs typeface="Times New Roman" panose="02020603050405020304" pitchFamily="18" charset="0"/>
-                        </a:rPr>
-                        <a:t>Tasnim</a:t>
-                      </a:r>
-                      <a:r>
-                        <a:rPr lang="en-US" sz="2000" b="1" dirty="0">
-                          <a:latin typeface="Times New Roman" panose="02020603050405020304" pitchFamily="18" charset="0"/>
-                          <a:cs typeface="Times New Roman" panose="02020603050405020304" pitchFamily="18" charset="0"/>
-                        </a:rPr>
-                        <a:t> Esha </a:t>
-                      </a:r>
-                    </a:p>
-                    <a:p>
-                      <a:pPr marL="395288" indent="-53975"/>
-                      <a:r>
-                        <a:rPr lang="en-US" sz="2000" dirty="0">
-                          <a:latin typeface="Times New Roman" panose="02020603050405020304" pitchFamily="18" charset="0"/>
-                          <a:cs typeface="Times New Roman" panose="02020603050405020304" pitchFamily="18" charset="0"/>
-                        </a:rPr>
-                        <a:t>   Roll: 1907090</a:t>
                       </a:r>
                     </a:p>
                     <a:p>
